--- a/material/Tecnicas/ClasesTutoriales/13. Memoria dinámica-structsmemoriaDinamica.pptx
+++ b/material/Tecnicas/ClasesTutoriales/13. Memoria dinámica-structsmemoriaDinamica.pptx
@@ -7376,7 +7376,7 @@
             <a:fld id="{72F64849-FDB5-4298-A413-9D70FF7B4EB1}" type="datetimeFigureOut">
               <a:rPr lang="es-CO" smtClean="0"/>
               <a:pPr/>
-              <a:t>26/02/2020</a:t>
+              <a:t>9/03/2020</a:t>
             </a:fld>
             <a:endParaRPr lang="es-CO"/>
           </a:p>
@@ -8126,7 +8126,7 @@
             <a:fld id="{DCEF22F2-EA04-4B03-8A20-CFDE6BC87E1C}" type="datetimeFigureOut">
               <a:rPr lang="es-CO" smtClean="0"/>
               <a:pPr/>
-              <a:t>26/02/2020</a:t>
+              <a:t>9/03/2020</a:t>
             </a:fld>
             <a:endParaRPr lang="es-CO"/>
           </a:p>
@@ -8303,7 +8303,7 @@
             <a:fld id="{DCEF22F2-EA04-4B03-8A20-CFDE6BC87E1C}" type="datetimeFigureOut">
               <a:rPr lang="es-CO" smtClean="0"/>
               <a:pPr/>
-              <a:t>26/02/2020</a:t>
+              <a:t>9/03/2020</a:t>
             </a:fld>
             <a:endParaRPr lang="es-CO"/>
           </a:p>
@@ -8506,7 +8506,7 @@
             <a:fld id="{DCEF22F2-EA04-4B03-8A20-CFDE6BC87E1C}" type="datetimeFigureOut">
               <a:rPr lang="es-CO" smtClean="0"/>
               <a:pPr/>
-              <a:t>26/02/2020</a:t>
+              <a:t>9/03/2020</a:t>
             </a:fld>
             <a:endParaRPr lang="es-CO"/>
           </a:p>
@@ -8862,7 +8862,7 @@
             <a:fld id="{DCEF22F2-EA04-4B03-8A20-CFDE6BC87E1C}" type="datetimeFigureOut">
               <a:rPr lang="es-CO" smtClean="0"/>
               <a:pPr/>
-              <a:t>26/02/2020</a:t>
+              <a:t>9/03/2020</a:t>
             </a:fld>
             <a:endParaRPr lang="es-CO"/>
           </a:p>
@@ -9147,7 +9147,7 @@
             <a:fld id="{DCEF22F2-EA04-4B03-8A20-CFDE6BC87E1C}" type="datetimeFigureOut">
               <a:rPr lang="es-CO" smtClean="0"/>
               <a:pPr/>
-              <a:t>26/02/2020</a:t>
+              <a:t>9/03/2020</a:t>
             </a:fld>
             <a:endParaRPr lang="es-CO"/>
           </a:p>
@@ -9566,7 +9566,7 @@
             <a:fld id="{DCEF22F2-EA04-4B03-8A20-CFDE6BC87E1C}" type="datetimeFigureOut">
               <a:rPr lang="es-CO" smtClean="0"/>
               <a:pPr/>
-              <a:t>26/02/2020</a:t>
+              <a:t>9/03/2020</a:t>
             </a:fld>
             <a:endParaRPr lang="es-CO"/>
           </a:p>
@@ -9681,7 +9681,7 @@
             <a:fld id="{DCEF22F2-EA04-4B03-8A20-CFDE6BC87E1C}" type="datetimeFigureOut">
               <a:rPr lang="es-CO" smtClean="0"/>
               <a:pPr/>
-              <a:t>26/02/2020</a:t>
+              <a:t>9/03/2020</a:t>
             </a:fld>
             <a:endParaRPr lang="es-CO"/>
           </a:p>
@@ -9773,7 +9773,7 @@
             <a:fld id="{DCEF22F2-EA04-4B03-8A20-CFDE6BC87E1C}" type="datetimeFigureOut">
               <a:rPr lang="es-CO" smtClean="0"/>
               <a:pPr/>
-              <a:t>26/02/2020</a:t>
+              <a:t>9/03/2020</a:t>
             </a:fld>
             <a:endParaRPr lang="es-CO"/>
           </a:p>
@@ -10047,7 +10047,7 @@
             <a:fld id="{DCEF22F2-EA04-4B03-8A20-CFDE6BC87E1C}" type="datetimeFigureOut">
               <a:rPr lang="es-CO" smtClean="0"/>
               <a:pPr/>
-              <a:t>26/02/2020</a:t>
+              <a:t>9/03/2020</a:t>
             </a:fld>
             <a:endParaRPr lang="es-CO"/>
           </a:p>
@@ -10301,7 +10301,7 @@
             <a:fld id="{DCEF22F2-EA04-4B03-8A20-CFDE6BC87E1C}" type="datetimeFigureOut">
               <a:rPr lang="es-CO" smtClean="0"/>
               <a:pPr/>
-              <a:t>26/02/2020</a:t>
+              <a:t>9/03/2020</a:t>
             </a:fld>
             <a:endParaRPr lang="es-CO"/>
           </a:p>
@@ -10511,7 +10511,7 @@
             <a:fld id="{DCEF22F2-EA04-4B03-8A20-CFDE6BC87E1C}" type="datetimeFigureOut">
               <a:rPr lang="es-CO" smtClean="0"/>
               <a:pPr/>
-              <a:t>26/02/2020</a:t>
+              <a:t>9/03/2020</a:t>
             </a:fld>
             <a:endParaRPr lang="es-CO"/>
           </a:p>
